--- a/조감도/두류 젊음의 거리 이미지/메밀꽃필무렵/메밀꽃질무렵.pptx
+++ b/조감도/두류 젊음의 거리 이미지/메밀꽃필무렵/메밀꽃질무렵.pptx
@@ -2,12 +2,12 @@
 <file path=ppt/presentation.xml><?xml version="1.0" encoding="utf-8"?>
 <p:presentation xmlns:a="http://schemas.openxmlformats.org/drawingml/2006/main" xmlns:r="http://schemas.openxmlformats.org/officeDocument/2006/relationships" xmlns:p="http://schemas.openxmlformats.org/presentationml/2006/main" saveSubsetFonts="1">
   <p:sldMasterIdLst>
-    <p:sldMasterId id="2147483660" r:id="rId1"/>
+    <p:sldMasterId id="2147483720" r:id="rId1"/>
   </p:sldMasterIdLst>
   <p:sldIdLst>
     <p:sldId id="256" r:id="rId2"/>
   </p:sldIdLst>
-  <p:sldSz cx="1800225" cy="7199313"/>
+  <p:sldSz cx="4319588" cy="1079500"/>
   <p:notesSz cx="6858000" cy="9144000"/>
   <p:defaultTextStyle>
     <a:defPPr>
@@ -136,15 +136,15 @@
         </p:nvSpPr>
         <p:spPr>
           <a:xfrm>
-            <a:off x="135017" y="1178222"/>
-            <a:ext cx="1530191" cy="2506427"/>
+            <a:off x="539949" y="176668"/>
+            <a:ext cx="3239691" cy="375826"/>
           </a:xfrm>
         </p:spPr>
         <p:txBody>
           <a:bodyPr anchor="b"/>
           <a:lstStyle>
             <a:lvl1pPr algn="ctr">
-              <a:defRPr sz="1181"/>
+              <a:defRPr sz="944"/>
             </a:lvl1pPr>
           </a:lstStyle>
           <a:p>
@@ -168,8 +168,8 @@
         </p:nvSpPr>
         <p:spPr>
           <a:xfrm>
-            <a:off x="225028" y="3781306"/>
-            <a:ext cx="1350169" cy="1738167"/>
+            <a:off x="539949" y="566988"/>
+            <a:ext cx="3239691" cy="260629"/>
           </a:xfrm>
         </p:spPr>
         <p:txBody>
@@ -177,39 +177,39 @@
           <a:lstStyle>
             <a:lvl1pPr marL="0" indent="0" algn="ctr">
               <a:buNone/>
-              <a:defRPr sz="473"/>
+              <a:defRPr sz="378"/>
             </a:lvl1pPr>
-            <a:lvl2pPr marL="90023" indent="0" algn="ctr">
-              <a:buNone/>
-              <a:defRPr sz="394"/>
+            <a:lvl2pPr marL="71963" indent="0" algn="ctr">
+              <a:buNone/>
+              <a:defRPr sz="315"/>
             </a:lvl2pPr>
-            <a:lvl3pPr marL="180045" indent="0" algn="ctr">
-              <a:buNone/>
-              <a:defRPr sz="354"/>
+            <a:lvl3pPr marL="143927" indent="0" algn="ctr">
+              <a:buNone/>
+              <a:defRPr sz="283"/>
             </a:lvl3pPr>
-            <a:lvl4pPr marL="270068" indent="0" algn="ctr">
-              <a:buNone/>
-              <a:defRPr sz="315"/>
+            <a:lvl4pPr marL="215890" indent="0" algn="ctr">
+              <a:buNone/>
+              <a:defRPr sz="252"/>
             </a:lvl4pPr>
-            <a:lvl5pPr marL="360091" indent="0" algn="ctr">
-              <a:buNone/>
-              <a:defRPr sz="315"/>
+            <a:lvl5pPr marL="287853" indent="0" algn="ctr">
+              <a:buNone/>
+              <a:defRPr sz="252"/>
             </a:lvl5pPr>
-            <a:lvl6pPr marL="450113" indent="0" algn="ctr">
-              <a:buNone/>
-              <a:defRPr sz="315"/>
+            <a:lvl6pPr marL="359816" indent="0" algn="ctr">
+              <a:buNone/>
+              <a:defRPr sz="252"/>
             </a:lvl6pPr>
-            <a:lvl7pPr marL="540136" indent="0" algn="ctr">
-              <a:buNone/>
-              <a:defRPr sz="315"/>
+            <a:lvl7pPr marL="431780" indent="0" algn="ctr">
+              <a:buNone/>
+              <a:defRPr sz="252"/>
             </a:lvl7pPr>
-            <a:lvl8pPr marL="630159" indent="0" algn="ctr">
-              <a:buNone/>
-              <a:defRPr sz="315"/>
+            <a:lvl8pPr marL="503743" indent="0" algn="ctr">
+              <a:buNone/>
+              <a:defRPr sz="252"/>
             </a:lvl8pPr>
-            <a:lvl9pPr marL="720181" indent="0" algn="ctr">
-              <a:buNone/>
-              <a:defRPr sz="315"/>
+            <a:lvl9pPr marL="575706" indent="0" algn="ctr">
+              <a:buNone/>
+              <a:defRPr sz="252"/>
             </a:lvl9pPr>
           </a:lstStyle>
           <a:p>
@@ -289,7 +289,7 @@
     </p:spTree>
     <p:extLst>
       <p:ext uri="{BB962C8B-B14F-4D97-AF65-F5344CB8AC3E}">
-        <p14:creationId xmlns:p14="http://schemas.microsoft.com/office/powerpoint/2010/main" val="891823066"/>
+        <p14:creationId xmlns:p14="http://schemas.microsoft.com/office/powerpoint/2010/main" val="3990354403"/>
       </p:ext>
     </p:extLst>
   </p:cSld>
@@ -459,7 +459,7 @@
     </p:spTree>
     <p:extLst>
       <p:ext uri="{BB962C8B-B14F-4D97-AF65-F5344CB8AC3E}">
-        <p14:creationId xmlns:p14="http://schemas.microsoft.com/office/powerpoint/2010/main" val="3915438916"/>
+        <p14:creationId xmlns:p14="http://schemas.microsoft.com/office/powerpoint/2010/main" val="3798091466"/>
       </p:ext>
     </p:extLst>
   </p:cSld>
@@ -498,8 +498,8 @@
         </p:nvSpPr>
         <p:spPr>
           <a:xfrm>
-            <a:off x="1288286" y="383297"/>
-            <a:ext cx="388174" cy="6101085"/>
+            <a:off x="3091205" y="57474"/>
+            <a:ext cx="931411" cy="914826"/>
           </a:xfrm>
         </p:spPr>
         <p:txBody>
@@ -526,8 +526,8 @@
         </p:nvSpPr>
         <p:spPr>
           <a:xfrm>
-            <a:off x="123765" y="383297"/>
-            <a:ext cx="1142018" cy="6101085"/>
+            <a:off x="296971" y="57474"/>
+            <a:ext cx="2740239" cy="914826"/>
           </a:xfrm>
         </p:spPr>
         <p:txBody>
@@ -639,7 +639,7 @@
     </p:spTree>
     <p:extLst>
       <p:ext uri="{BB962C8B-B14F-4D97-AF65-F5344CB8AC3E}">
-        <p14:creationId xmlns:p14="http://schemas.microsoft.com/office/powerpoint/2010/main" val="3163999622"/>
+        <p14:creationId xmlns:p14="http://schemas.microsoft.com/office/powerpoint/2010/main" val="2186195111"/>
       </p:ext>
     </p:extLst>
   </p:cSld>
@@ -809,7 +809,7 @@
     </p:spTree>
     <p:extLst>
       <p:ext uri="{BB962C8B-B14F-4D97-AF65-F5344CB8AC3E}">
-        <p14:creationId xmlns:p14="http://schemas.microsoft.com/office/powerpoint/2010/main" val="353286395"/>
+        <p14:creationId xmlns:p14="http://schemas.microsoft.com/office/powerpoint/2010/main" val="3640069130"/>
       </p:ext>
     </p:extLst>
   </p:cSld>
@@ -848,15 +848,15 @@
         </p:nvSpPr>
         <p:spPr>
           <a:xfrm>
-            <a:off x="122828" y="1794831"/>
-            <a:ext cx="1552694" cy="2994714"/>
+            <a:off x="294722" y="269125"/>
+            <a:ext cx="3725645" cy="449042"/>
           </a:xfrm>
         </p:spPr>
         <p:txBody>
           <a:bodyPr anchor="b"/>
           <a:lstStyle>
             <a:lvl1pPr>
-              <a:defRPr sz="1181"/>
+              <a:defRPr sz="944"/>
             </a:lvl1pPr>
           </a:lstStyle>
           <a:p>
@@ -880,8 +880,8 @@
         </p:nvSpPr>
         <p:spPr>
           <a:xfrm>
-            <a:off x="122828" y="4817876"/>
-            <a:ext cx="1552694" cy="1574849"/>
+            <a:off x="294722" y="722415"/>
+            <a:ext cx="3725645" cy="236141"/>
           </a:xfrm>
         </p:spPr>
         <p:txBody>
@@ -889,15 +889,17 @@
           <a:lstStyle>
             <a:lvl1pPr marL="0" indent="0">
               <a:buNone/>
-              <a:defRPr sz="473">
+              <a:defRPr sz="378">
                 <a:solidFill>
-                  <a:schemeClr val="tx1"/>
+                  <a:schemeClr val="tx1">
+                    <a:tint val="75000"/>
+                  </a:schemeClr>
                 </a:solidFill>
               </a:defRPr>
             </a:lvl1pPr>
-            <a:lvl2pPr marL="90023" indent="0">
-              <a:buNone/>
-              <a:defRPr sz="394">
+            <a:lvl2pPr marL="71963" indent="0">
+              <a:buNone/>
+              <a:defRPr sz="315">
                 <a:solidFill>
                   <a:schemeClr val="tx1">
                     <a:tint val="75000"/>
@@ -905,9 +907,9 @@
                 </a:solidFill>
               </a:defRPr>
             </a:lvl2pPr>
-            <a:lvl3pPr marL="180045" indent="0">
-              <a:buNone/>
-              <a:defRPr sz="354">
+            <a:lvl3pPr marL="143927" indent="0">
+              <a:buNone/>
+              <a:defRPr sz="283">
                 <a:solidFill>
                   <a:schemeClr val="tx1">
                     <a:tint val="75000"/>
@@ -915,9 +917,9 @@
                 </a:solidFill>
               </a:defRPr>
             </a:lvl3pPr>
-            <a:lvl4pPr marL="270068" indent="0">
-              <a:buNone/>
-              <a:defRPr sz="315">
+            <a:lvl4pPr marL="215890" indent="0">
+              <a:buNone/>
+              <a:defRPr sz="252">
                 <a:solidFill>
                   <a:schemeClr val="tx1">
                     <a:tint val="75000"/>
@@ -925,9 +927,9 @@
                 </a:solidFill>
               </a:defRPr>
             </a:lvl4pPr>
-            <a:lvl5pPr marL="360091" indent="0">
-              <a:buNone/>
-              <a:defRPr sz="315">
+            <a:lvl5pPr marL="287853" indent="0">
+              <a:buNone/>
+              <a:defRPr sz="252">
                 <a:solidFill>
                   <a:schemeClr val="tx1">
                     <a:tint val="75000"/>
@@ -935,9 +937,9 @@
                 </a:solidFill>
               </a:defRPr>
             </a:lvl5pPr>
-            <a:lvl6pPr marL="450113" indent="0">
-              <a:buNone/>
-              <a:defRPr sz="315">
+            <a:lvl6pPr marL="359816" indent="0">
+              <a:buNone/>
+              <a:defRPr sz="252">
                 <a:solidFill>
                   <a:schemeClr val="tx1">
                     <a:tint val="75000"/>
@@ -945,9 +947,9 @@
                 </a:solidFill>
               </a:defRPr>
             </a:lvl6pPr>
-            <a:lvl7pPr marL="540136" indent="0">
-              <a:buNone/>
-              <a:defRPr sz="315">
+            <a:lvl7pPr marL="431780" indent="0">
+              <a:buNone/>
+              <a:defRPr sz="252">
                 <a:solidFill>
                   <a:schemeClr val="tx1">
                     <a:tint val="75000"/>
@@ -955,9 +957,9 @@
                 </a:solidFill>
               </a:defRPr>
             </a:lvl7pPr>
-            <a:lvl8pPr marL="630159" indent="0">
-              <a:buNone/>
-              <a:defRPr sz="315">
+            <a:lvl8pPr marL="503743" indent="0">
+              <a:buNone/>
+              <a:defRPr sz="252">
                 <a:solidFill>
                   <a:schemeClr val="tx1">
                     <a:tint val="75000"/>
@@ -965,9 +967,9 @@
                 </a:solidFill>
               </a:defRPr>
             </a:lvl8pPr>
-            <a:lvl9pPr marL="720181" indent="0">
-              <a:buNone/>
-              <a:defRPr sz="315">
+            <a:lvl9pPr marL="575706" indent="0">
+              <a:buNone/>
+              <a:defRPr sz="252">
                 <a:solidFill>
                   <a:schemeClr val="tx1">
                     <a:tint val="75000"/>
@@ -1053,7 +1055,7 @@
     </p:spTree>
     <p:extLst>
       <p:ext uri="{BB962C8B-B14F-4D97-AF65-F5344CB8AC3E}">
-        <p14:creationId xmlns:p14="http://schemas.microsoft.com/office/powerpoint/2010/main" val="4056988247"/>
+        <p14:creationId xmlns:p14="http://schemas.microsoft.com/office/powerpoint/2010/main" val="3806216606"/>
       </p:ext>
     </p:extLst>
   </p:cSld>
@@ -1115,8 +1117,8 @@
         </p:nvSpPr>
         <p:spPr>
           <a:xfrm>
-            <a:off x="123765" y="1916484"/>
-            <a:ext cx="765096" cy="4567898"/>
+            <a:off x="296972" y="287367"/>
+            <a:ext cx="1835825" cy="684933"/>
           </a:xfrm>
         </p:spPr>
         <p:txBody>
@@ -1172,8 +1174,8 @@
         </p:nvSpPr>
         <p:spPr>
           <a:xfrm>
-            <a:off x="911364" y="1916484"/>
-            <a:ext cx="765096" cy="4567898"/>
+            <a:off x="2186791" y="287367"/>
+            <a:ext cx="1835825" cy="684933"/>
           </a:xfrm>
         </p:spPr>
         <p:txBody>
@@ -1285,7 +1287,7 @@
     </p:spTree>
     <p:extLst>
       <p:ext uri="{BB962C8B-B14F-4D97-AF65-F5344CB8AC3E}">
-        <p14:creationId xmlns:p14="http://schemas.microsoft.com/office/powerpoint/2010/main" val="1934516803"/>
+        <p14:creationId xmlns:p14="http://schemas.microsoft.com/office/powerpoint/2010/main" val="3101193823"/>
       </p:ext>
     </p:extLst>
   </p:cSld>
@@ -1324,8 +1326,8 @@
         </p:nvSpPr>
         <p:spPr>
           <a:xfrm>
-            <a:off x="124000" y="383299"/>
-            <a:ext cx="1552694" cy="1391534"/>
+            <a:off x="297534" y="57474"/>
+            <a:ext cx="3725645" cy="208653"/>
           </a:xfrm>
         </p:spPr>
         <p:txBody>
@@ -1352,8 +1354,8 @@
         </p:nvSpPr>
         <p:spPr>
           <a:xfrm>
-            <a:off x="124000" y="1764832"/>
-            <a:ext cx="761579" cy="864917"/>
+            <a:off x="297534" y="264627"/>
+            <a:ext cx="1827388" cy="129690"/>
           </a:xfrm>
         </p:spPr>
         <p:txBody>
@@ -1361,39 +1363,39 @@
           <a:lstStyle>
             <a:lvl1pPr marL="0" indent="0">
               <a:buNone/>
-              <a:defRPr sz="473" b="1"/>
+              <a:defRPr sz="378" b="1"/>
             </a:lvl1pPr>
-            <a:lvl2pPr marL="90023" indent="0">
-              <a:buNone/>
-              <a:defRPr sz="394" b="1"/>
+            <a:lvl2pPr marL="71963" indent="0">
+              <a:buNone/>
+              <a:defRPr sz="315" b="1"/>
             </a:lvl2pPr>
-            <a:lvl3pPr marL="180045" indent="0">
-              <a:buNone/>
-              <a:defRPr sz="354" b="1"/>
+            <a:lvl3pPr marL="143927" indent="0">
+              <a:buNone/>
+              <a:defRPr sz="283" b="1"/>
             </a:lvl3pPr>
-            <a:lvl4pPr marL="270068" indent="0">
-              <a:buNone/>
-              <a:defRPr sz="315" b="1"/>
+            <a:lvl4pPr marL="215890" indent="0">
+              <a:buNone/>
+              <a:defRPr sz="252" b="1"/>
             </a:lvl4pPr>
-            <a:lvl5pPr marL="360091" indent="0">
-              <a:buNone/>
-              <a:defRPr sz="315" b="1"/>
+            <a:lvl5pPr marL="287853" indent="0">
+              <a:buNone/>
+              <a:defRPr sz="252" b="1"/>
             </a:lvl5pPr>
-            <a:lvl6pPr marL="450113" indent="0">
-              <a:buNone/>
-              <a:defRPr sz="315" b="1"/>
+            <a:lvl6pPr marL="359816" indent="0">
+              <a:buNone/>
+              <a:defRPr sz="252" b="1"/>
             </a:lvl6pPr>
-            <a:lvl7pPr marL="540136" indent="0">
-              <a:buNone/>
-              <a:defRPr sz="315" b="1"/>
+            <a:lvl7pPr marL="431780" indent="0">
+              <a:buNone/>
+              <a:defRPr sz="252" b="1"/>
             </a:lvl7pPr>
-            <a:lvl8pPr marL="630159" indent="0">
-              <a:buNone/>
-              <a:defRPr sz="315" b="1"/>
+            <a:lvl8pPr marL="503743" indent="0">
+              <a:buNone/>
+              <a:defRPr sz="252" b="1"/>
             </a:lvl8pPr>
-            <a:lvl9pPr marL="720181" indent="0">
-              <a:buNone/>
-              <a:defRPr sz="315" b="1"/>
+            <a:lvl9pPr marL="575706" indent="0">
+              <a:buNone/>
+              <a:defRPr sz="252" b="1"/>
             </a:lvl9pPr>
           </a:lstStyle>
           <a:p>
@@ -1417,8 +1419,8 @@
         </p:nvSpPr>
         <p:spPr>
           <a:xfrm>
-            <a:off x="124000" y="2629749"/>
-            <a:ext cx="761579" cy="3867965"/>
+            <a:off x="297534" y="394318"/>
+            <a:ext cx="1827388" cy="579981"/>
           </a:xfrm>
         </p:spPr>
         <p:txBody>
@@ -1474,8 +1476,8 @@
         </p:nvSpPr>
         <p:spPr>
           <a:xfrm>
-            <a:off x="911364" y="1764832"/>
-            <a:ext cx="765330" cy="864917"/>
+            <a:off x="2186791" y="264627"/>
+            <a:ext cx="1836388" cy="129690"/>
           </a:xfrm>
         </p:spPr>
         <p:txBody>
@@ -1483,39 +1485,39 @@
           <a:lstStyle>
             <a:lvl1pPr marL="0" indent="0">
               <a:buNone/>
-              <a:defRPr sz="473" b="1"/>
+              <a:defRPr sz="378" b="1"/>
             </a:lvl1pPr>
-            <a:lvl2pPr marL="90023" indent="0">
-              <a:buNone/>
-              <a:defRPr sz="394" b="1"/>
+            <a:lvl2pPr marL="71963" indent="0">
+              <a:buNone/>
+              <a:defRPr sz="315" b="1"/>
             </a:lvl2pPr>
-            <a:lvl3pPr marL="180045" indent="0">
-              <a:buNone/>
-              <a:defRPr sz="354" b="1"/>
+            <a:lvl3pPr marL="143927" indent="0">
+              <a:buNone/>
+              <a:defRPr sz="283" b="1"/>
             </a:lvl3pPr>
-            <a:lvl4pPr marL="270068" indent="0">
-              <a:buNone/>
-              <a:defRPr sz="315" b="1"/>
+            <a:lvl4pPr marL="215890" indent="0">
+              <a:buNone/>
+              <a:defRPr sz="252" b="1"/>
             </a:lvl4pPr>
-            <a:lvl5pPr marL="360091" indent="0">
-              <a:buNone/>
-              <a:defRPr sz="315" b="1"/>
+            <a:lvl5pPr marL="287853" indent="0">
+              <a:buNone/>
+              <a:defRPr sz="252" b="1"/>
             </a:lvl5pPr>
-            <a:lvl6pPr marL="450113" indent="0">
-              <a:buNone/>
-              <a:defRPr sz="315" b="1"/>
+            <a:lvl6pPr marL="359816" indent="0">
+              <a:buNone/>
+              <a:defRPr sz="252" b="1"/>
             </a:lvl6pPr>
-            <a:lvl7pPr marL="540136" indent="0">
-              <a:buNone/>
-              <a:defRPr sz="315" b="1"/>
+            <a:lvl7pPr marL="431780" indent="0">
+              <a:buNone/>
+              <a:defRPr sz="252" b="1"/>
             </a:lvl7pPr>
-            <a:lvl8pPr marL="630159" indent="0">
-              <a:buNone/>
-              <a:defRPr sz="315" b="1"/>
+            <a:lvl8pPr marL="503743" indent="0">
+              <a:buNone/>
+              <a:defRPr sz="252" b="1"/>
             </a:lvl8pPr>
-            <a:lvl9pPr marL="720181" indent="0">
-              <a:buNone/>
-              <a:defRPr sz="315" b="1"/>
+            <a:lvl9pPr marL="575706" indent="0">
+              <a:buNone/>
+              <a:defRPr sz="252" b="1"/>
             </a:lvl9pPr>
           </a:lstStyle>
           <a:p>
@@ -1539,8 +1541,8 @@
         </p:nvSpPr>
         <p:spPr>
           <a:xfrm>
-            <a:off x="911364" y="2629749"/>
-            <a:ext cx="765330" cy="3867965"/>
+            <a:off x="2186791" y="394318"/>
+            <a:ext cx="1836388" cy="579981"/>
           </a:xfrm>
         </p:spPr>
         <p:txBody>
@@ -1652,7 +1654,7 @@
     </p:spTree>
     <p:extLst>
       <p:ext uri="{BB962C8B-B14F-4D97-AF65-F5344CB8AC3E}">
-        <p14:creationId xmlns:p14="http://schemas.microsoft.com/office/powerpoint/2010/main" val="1828563122"/>
+        <p14:creationId xmlns:p14="http://schemas.microsoft.com/office/powerpoint/2010/main" val="3071181465"/>
       </p:ext>
     </p:extLst>
   </p:cSld>
@@ -1770,7 +1772,7 @@
     </p:spTree>
     <p:extLst>
       <p:ext uri="{BB962C8B-B14F-4D97-AF65-F5344CB8AC3E}">
-        <p14:creationId xmlns:p14="http://schemas.microsoft.com/office/powerpoint/2010/main" val="2100117314"/>
+        <p14:creationId xmlns:p14="http://schemas.microsoft.com/office/powerpoint/2010/main" val="1439585181"/>
       </p:ext>
     </p:extLst>
   </p:cSld>
@@ -1865,7 +1867,7 @@
     </p:spTree>
     <p:extLst>
       <p:ext uri="{BB962C8B-B14F-4D97-AF65-F5344CB8AC3E}">
-        <p14:creationId xmlns:p14="http://schemas.microsoft.com/office/powerpoint/2010/main" val="2191461254"/>
+        <p14:creationId xmlns:p14="http://schemas.microsoft.com/office/powerpoint/2010/main" val="3531149557"/>
       </p:ext>
     </p:extLst>
   </p:cSld>
@@ -1904,15 +1906,15 @@
         </p:nvSpPr>
         <p:spPr>
           <a:xfrm>
-            <a:off x="124000" y="479954"/>
-            <a:ext cx="580619" cy="1679840"/>
+            <a:off x="297535" y="71967"/>
+            <a:ext cx="1393179" cy="251883"/>
           </a:xfrm>
         </p:spPr>
         <p:txBody>
           <a:bodyPr anchor="b"/>
           <a:lstStyle>
             <a:lvl1pPr>
-              <a:defRPr sz="630"/>
+              <a:defRPr sz="504"/>
             </a:lvl1pPr>
           </a:lstStyle>
           <a:p>
@@ -1936,39 +1938,39 @@
         </p:nvSpPr>
         <p:spPr>
           <a:xfrm>
-            <a:off x="765330" y="1036570"/>
-            <a:ext cx="911364" cy="5116178"/>
+            <a:off x="1836388" y="155428"/>
+            <a:ext cx="2186791" cy="767145"/>
           </a:xfrm>
         </p:spPr>
         <p:txBody>
           <a:bodyPr/>
           <a:lstStyle>
             <a:lvl1pPr>
-              <a:defRPr sz="630"/>
+              <a:defRPr sz="504"/>
             </a:lvl1pPr>
             <a:lvl2pPr>
-              <a:defRPr sz="551"/>
+              <a:defRPr sz="441"/>
             </a:lvl2pPr>
             <a:lvl3pPr>
-              <a:defRPr sz="473"/>
+              <a:defRPr sz="378"/>
             </a:lvl3pPr>
             <a:lvl4pPr>
-              <a:defRPr sz="394"/>
+              <a:defRPr sz="315"/>
             </a:lvl4pPr>
             <a:lvl5pPr>
-              <a:defRPr sz="394"/>
+              <a:defRPr sz="315"/>
             </a:lvl5pPr>
             <a:lvl6pPr>
-              <a:defRPr sz="394"/>
+              <a:defRPr sz="315"/>
             </a:lvl6pPr>
             <a:lvl7pPr>
-              <a:defRPr sz="394"/>
+              <a:defRPr sz="315"/>
             </a:lvl7pPr>
             <a:lvl8pPr>
-              <a:defRPr sz="394"/>
+              <a:defRPr sz="315"/>
             </a:lvl8pPr>
             <a:lvl9pPr>
-              <a:defRPr sz="394"/>
+              <a:defRPr sz="315"/>
             </a:lvl9pPr>
           </a:lstStyle>
           <a:p>
@@ -2021,8 +2023,8 @@
         </p:nvSpPr>
         <p:spPr>
           <a:xfrm>
-            <a:off x="124000" y="2159794"/>
-            <a:ext cx="580619" cy="4001285"/>
+            <a:off x="297535" y="323850"/>
+            <a:ext cx="1393179" cy="599972"/>
           </a:xfrm>
         </p:spPr>
         <p:txBody>
@@ -2030,39 +2032,39 @@
           <a:lstStyle>
             <a:lvl1pPr marL="0" indent="0">
               <a:buNone/>
-              <a:defRPr sz="315"/>
+              <a:defRPr sz="252"/>
             </a:lvl1pPr>
-            <a:lvl2pPr marL="90023" indent="0">
-              <a:buNone/>
-              <a:defRPr sz="276"/>
+            <a:lvl2pPr marL="71963" indent="0">
+              <a:buNone/>
+              <a:defRPr sz="220"/>
             </a:lvl2pPr>
-            <a:lvl3pPr marL="180045" indent="0">
-              <a:buNone/>
-              <a:defRPr sz="236"/>
+            <a:lvl3pPr marL="143927" indent="0">
+              <a:buNone/>
+              <a:defRPr sz="189"/>
             </a:lvl3pPr>
-            <a:lvl4pPr marL="270068" indent="0">
-              <a:buNone/>
-              <a:defRPr sz="197"/>
+            <a:lvl4pPr marL="215890" indent="0">
+              <a:buNone/>
+              <a:defRPr sz="157"/>
             </a:lvl4pPr>
-            <a:lvl5pPr marL="360091" indent="0">
-              <a:buNone/>
-              <a:defRPr sz="197"/>
+            <a:lvl5pPr marL="287853" indent="0">
+              <a:buNone/>
+              <a:defRPr sz="157"/>
             </a:lvl5pPr>
-            <a:lvl6pPr marL="450113" indent="0">
-              <a:buNone/>
-              <a:defRPr sz="197"/>
+            <a:lvl6pPr marL="359816" indent="0">
+              <a:buNone/>
+              <a:defRPr sz="157"/>
             </a:lvl6pPr>
-            <a:lvl7pPr marL="540136" indent="0">
-              <a:buNone/>
-              <a:defRPr sz="197"/>
+            <a:lvl7pPr marL="431780" indent="0">
+              <a:buNone/>
+              <a:defRPr sz="157"/>
             </a:lvl7pPr>
-            <a:lvl8pPr marL="630159" indent="0">
-              <a:buNone/>
-              <a:defRPr sz="197"/>
+            <a:lvl8pPr marL="503743" indent="0">
+              <a:buNone/>
+              <a:defRPr sz="157"/>
             </a:lvl8pPr>
-            <a:lvl9pPr marL="720181" indent="0">
-              <a:buNone/>
-              <a:defRPr sz="197"/>
+            <a:lvl9pPr marL="575706" indent="0">
+              <a:buNone/>
+              <a:defRPr sz="157"/>
             </a:lvl9pPr>
           </a:lstStyle>
           <a:p>
@@ -2142,7 +2144,7 @@
     </p:spTree>
     <p:extLst>
       <p:ext uri="{BB962C8B-B14F-4D97-AF65-F5344CB8AC3E}">
-        <p14:creationId xmlns:p14="http://schemas.microsoft.com/office/powerpoint/2010/main" val="2799502681"/>
+        <p14:creationId xmlns:p14="http://schemas.microsoft.com/office/powerpoint/2010/main" val="2943520688"/>
       </p:ext>
     </p:extLst>
   </p:cSld>
@@ -2181,15 +2183,15 @@
         </p:nvSpPr>
         <p:spPr>
           <a:xfrm>
-            <a:off x="124000" y="479954"/>
-            <a:ext cx="580619" cy="1679840"/>
+            <a:off x="297535" y="71967"/>
+            <a:ext cx="1393179" cy="251883"/>
           </a:xfrm>
         </p:spPr>
         <p:txBody>
           <a:bodyPr anchor="b"/>
           <a:lstStyle>
             <a:lvl1pPr>
-              <a:defRPr sz="630"/>
+              <a:defRPr sz="504"/>
             </a:lvl1pPr>
           </a:lstStyle>
           <a:p>
@@ -2213,8 +2215,8 @@
         </p:nvSpPr>
         <p:spPr>
           <a:xfrm>
-            <a:off x="765330" y="1036570"/>
-            <a:ext cx="911364" cy="5116178"/>
+            <a:off x="1836388" y="155428"/>
+            <a:ext cx="2186791" cy="767145"/>
           </a:xfrm>
         </p:spPr>
         <p:txBody>
@@ -2222,39 +2224,39 @@
           <a:lstStyle>
             <a:lvl1pPr marL="0" indent="0">
               <a:buNone/>
-              <a:defRPr sz="630"/>
+              <a:defRPr sz="504"/>
             </a:lvl1pPr>
-            <a:lvl2pPr marL="90023" indent="0">
-              <a:buNone/>
-              <a:defRPr sz="551"/>
+            <a:lvl2pPr marL="71963" indent="0">
+              <a:buNone/>
+              <a:defRPr sz="441"/>
             </a:lvl2pPr>
-            <a:lvl3pPr marL="180045" indent="0">
-              <a:buNone/>
-              <a:defRPr sz="473"/>
+            <a:lvl3pPr marL="143927" indent="0">
+              <a:buNone/>
+              <a:defRPr sz="378"/>
             </a:lvl3pPr>
-            <a:lvl4pPr marL="270068" indent="0">
-              <a:buNone/>
-              <a:defRPr sz="394"/>
+            <a:lvl4pPr marL="215890" indent="0">
+              <a:buNone/>
+              <a:defRPr sz="315"/>
             </a:lvl4pPr>
-            <a:lvl5pPr marL="360091" indent="0">
-              <a:buNone/>
-              <a:defRPr sz="394"/>
+            <a:lvl5pPr marL="287853" indent="0">
+              <a:buNone/>
+              <a:defRPr sz="315"/>
             </a:lvl5pPr>
-            <a:lvl6pPr marL="450113" indent="0">
-              <a:buNone/>
-              <a:defRPr sz="394"/>
+            <a:lvl6pPr marL="359816" indent="0">
+              <a:buNone/>
+              <a:defRPr sz="315"/>
             </a:lvl6pPr>
-            <a:lvl7pPr marL="540136" indent="0">
-              <a:buNone/>
-              <a:defRPr sz="394"/>
+            <a:lvl7pPr marL="431780" indent="0">
+              <a:buNone/>
+              <a:defRPr sz="315"/>
             </a:lvl7pPr>
-            <a:lvl8pPr marL="630159" indent="0">
-              <a:buNone/>
-              <a:defRPr sz="394"/>
+            <a:lvl8pPr marL="503743" indent="0">
+              <a:buNone/>
+              <a:defRPr sz="315"/>
             </a:lvl8pPr>
-            <a:lvl9pPr marL="720181" indent="0">
-              <a:buNone/>
-              <a:defRPr sz="394"/>
+            <a:lvl9pPr marL="575706" indent="0">
+              <a:buNone/>
+              <a:defRPr sz="315"/>
             </a:lvl9pPr>
           </a:lstStyle>
           <a:p>
@@ -2278,8 +2280,8 @@
         </p:nvSpPr>
         <p:spPr>
           <a:xfrm>
-            <a:off x="124000" y="2159794"/>
-            <a:ext cx="580619" cy="4001285"/>
+            <a:off x="297535" y="323850"/>
+            <a:ext cx="1393179" cy="599972"/>
           </a:xfrm>
         </p:spPr>
         <p:txBody>
@@ -2287,39 +2289,39 @@
           <a:lstStyle>
             <a:lvl1pPr marL="0" indent="0">
               <a:buNone/>
-              <a:defRPr sz="315"/>
+              <a:defRPr sz="252"/>
             </a:lvl1pPr>
-            <a:lvl2pPr marL="90023" indent="0">
-              <a:buNone/>
-              <a:defRPr sz="276"/>
+            <a:lvl2pPr marL="71963" indent="0">
+              <a:buNone/>
+              <a:defRPr sz="220"/>
             </a:lvl2pPr>
-            <a:lvl3pPr marL="180045" indent="0">
-              <a:buNone/>
-              <a:defRPr sz="236"/>
+            <a:lvl3pPr marL="143927" indent="0">
+              <a:buNone/>
+              <a:defRPr sz="189"/>
             </a:lvl3pPr>
-            <a:lvl4pPr marL="270068" indent="0">
-              <a:buNone/>
-              <a:defRPr sz="197"/>
+            <a:lvl4pPr marL="215890" indent="0">
+              <a:buNone/>
+              <a:defRPr sz="157"/>
             </a:lvl4pPr>
-            <a:lvl5pPr marL="360091" indent="0">
-              <a:buNone/>
-              <a:defRPr sz="197"/>
+            <a:lvl5pPr marL="287853" indent="0">
+              <a:buNone/>
+              <a:defRPr sz="157"/>
             </a:lvl5pPr>
-            <a:lvl6pPr marL="450113" indent="0">
-              <a:buNone/>
-              <a:defRPr sz="197"/>
+            <a:lvl6pPr marL="359816" indent="0">
+              <a:buNone/>
+              <a:defRPr sz="157"/>
             </a:lvl6pPr>
-            <a:lvl7pPr marL="540136" indent="0">
-              <a:buNone/>
-              <a:defRPr sz="197"/>
+            <a:lvl7pPr marL="431780" indent="0">
+              <a:buNone/>
+              <a:defRPr sz="157"/>
             </a:lvl7pPr>
-            <a:lvl8pPr marL="630159" indent="0">
-              <a:buNone/>
-              <a:defRPr sz="197"/>
+            <a:lvl8pPr marL="503743" indent="0">
+              <a:buNone/>
+              <a:defRPr sz="157"/>
             </a:lvl8pPr>
-            <a:lvl9pPr marL="720181" indent="0">
-              <a:buNone/>
-              <a:defRPr sz="197"/>
+            <a:lvl9pPr marL="575706" indent="0">
+              <a:buNone/>
+              <a:defRPr sz="157"/>
             </a:lvl9pPr>
           </a:lstStyle>
           <a:p>
@@ -2399,7 +2401,7 @@
     </p:spTree>
     <p:extLst>
       <p:ext uri="{BB962C8B-B14F-4D97-AF65-F5344CB8AC3E}">
-        <p14:creationId xmlns:p14="http://schemas.microsoft.com/office/powerpoint/2010/main" val="2354402000"/>
+        <p14:creationId xmlns:p14="http://schemas.microsoft.com/office/powerpoint/2010/main" val="2997494561"/>
       </p:ext>
     </p:extLst>
   </p:cSld>
@@ -2443,8 +2445,8 @@
         </p:nvSpPr>
         <p:spPr>
           <a:xfrm>
-            <a:off x="123766" y="383299"/>
-            <a:ext cx="1552694" cy="1391534"/>
+            <a:off x="296972" y="57474"/>
+            <a:ext cx="3725645" cy="208653"/>
           </a:xfrm>
           <a:prstGeom prst="rect">
             <a:avLst/>
@@ -2476,8 +2478,8 @@
         </p:nvSpPr>
         <p:spPr>
           <a:xfrm>
-            <a:off x="123766" y="1916484"/>
-            <a:ext cx="1552694" cy="4567898"/>
+            <a:off x="296972" y="287367"/>
+            <a:ext cx="3725645" cy="684933"/>
           </a:xfrm>
           <a:prstGeom prst="rect">
             <a:avLst/>
@@ -2538,8 +2540,8 @@
         </p:nvSpPr>
         <p:spPr>
           <a:xfrm>
-            <a:off x="123765" y="6672698"/>
-            <a:ext cx="405051" cy="383297"/>
+            <a:off x="296972" y="1000537"/>
+            <a:ext cx="971907" cy="57473"/>
           </a:xfrm>
           <a:prstGeom prst="rect">
             <a:avLst/>
@@ -2549,7 +2551,7 @@
           <a:bodyPr vert="horz" lIns="91440" tIns="45720" rIns="91440" bIns="45720" rtlCol="0" anchor="ctr"/>
           <a:lstStyle>
             <a:lvl1pPr algn="l">
-              <a:defRPr sz="236">
+              <a:defRPr sz="189">
                 <a:solidFill>
                   <a:schemeClr val="tx1">
                     <a:tint val="75000"/>
@@ -2579,8 +2581,8 @@
         </p:nvSpPr>
         <p:spPr>
           <a:xfrm>
-            <a:off x="596325" y="6672698"/>
-            <a:ext cx="607576" cy="383297"/>
+            <a:off x="1430864" y="1000537"/>
+            <a:ext cx="1457861" cy="57473"/>
           </a:xfrm>
           <a:prstGeom prst="rect">
             <a:avLst/>
@@ -2590,7 +2592,7 @@
           <a:bodyPr vert="horz" lIns="91440" tIns="45720" rIns="91440" bIns="45720" rtlCol="0" anchor="ctr"/>
           <a:lstStyle>
             <a:lvl1pPr algn="ctr">
-              <a:defRPr sz="236">
+              <a:defRPr sz="189">
                 <a:solidFill>
                   <a:schemeClr val="tx1">
                     <a:tint val="75000"/>
@@ -2616,8 +2618,8 @@
         </p:nvSpPr>
         <p:spPr>
           <a:xfrm>
-            <a:off x="1271409" y="6672698"/>
-            <a:ext cx="405051" cy="383297"/>
+            <a:off x="3050709" y="1000537"/>
+            <a:ext cx="971907" cy="57473"/>
           </a:xfrm>
           <a:prstGeom prst="rect">
             <a:avLst/>
@@ -2627,7 +2629,7 @@
           <a:bodyPr vert="horz" lIns="91440" tIns="45720" rIns="91440" bIns="45720" rtlCol="0" anchor="ctr"/>
           <a:lstStyle>
             <a:lvl1pPr algn="r">
-              <a:defRPr sz="236">
+              <a:defRPr sz="189">
                 <a:solidFill>
                   <a:schemeClr val="tx1">
                     <a:tint val="75000"/>
@@ -2648,27 +2650,27 @@
     </p:spTree>
     <p:extLst>
       <p:ext uri="{BB962C8B-B14F-4D97-AF65-F5344CB8AC3E}">
-        <p14:creationId xmlns:p14="http://schemas.microsoft.com/office/powerpoint/2010/main" val="3150559940"/>
+        <p14:creationId xmlns:p14="http://schemas.microsoft.com/office/powerpoint/2010/main" val="929409777"/>
       </p:ext>
     </p:extLst>
   </p:cSld>
   <p:clrMap bg1="lt1" tx1="dk1" bg2="lt2" tx2="dk2" accent1="accent1" accent2="accent2" accent3="accent3" accent4="accent4" accent5="accent5" accent6="accent6" hlink="hlink" folHlink="folHlink"/>
   <p:sldLayoutIdLst>
-    <p:sldLayoutId id="2147483661" r:id="rId1"/>
-    <p:sldLayoutId id="2147483662" r:id="rId2"/>
-    <p:sldLayoutId id="2147483663" r:id="rId3"/>
-    <p:sldLayoutId id="2147483664" r:id="rId4"/>
-    <p:sldLayoutId id="2147483665" r:id="rId5"/>
-    <p:sldLayoutId id="2147483666" r:id="rId6"/>
-    <p:sldLayoutId id="2147483667" r:id="rId7"/>
-    <p:sldLayoutId id="2147483668" r:id="rId8"/>
-    <p:sldLayoutId id="2147483669" r:id="rId9"/>
-    <p:sldLayoutId id="2147483670" r:id="rId10"/>
-    <p:sldLayoutId id="2147483671" r:id="rId11"/>
+    <p:sldLayoutId id="2147483721" r:id="rId1"/>
+    <p:sldLayoutId id="2147483722" r:id="rId2"/>
+    <p:sldLayoutId id="2147483723" r:id="rId3"/>
+    <p:sldLayoutId id="2147483724" r:id="rId4"/>
+    <p:sldLayoutId id="2147483725" r:id="rId5"/>
+    <p:sldLayoutId id="2147483726" r:id="rId6"/>
+    <p:sldLayoutId id="2147483727" r:id="rId7"/>
+    <p:sldLayoutId id="2147483728" r:id="rId8"/>
+    <p:sldLayoutId id="2147483729" r:id="rId9"/>
+    <p:sldLayoutId id="2147483730" r:id="rId10"/>
+    <p:sldLayoutId id="2147483731" r:id="rId11"/>
   </p:sldLayoutIdLst>
   <p:txStyles>
     <p:titleStyle>
-      <a:lvl1pPr algn="l" defTabSz="180045" rtl="0" eaLnBrk="1" latinLnBrk="1" hangingPunct="1">
+      <a:lvl1pPr algn="l" defTabSz="143927" rtl="0" eaLnBrk="1" latinLnBrk="1" hangingPunct="1">
         <a:lnSpc>
           <a:spcPct val="90000"/>
         </a:lnSpc>
@@ -2676,7 +2678,7 @@
           <a:spcPct val="0"/>
         </a:spcBef>
         <a:buNone/>
-        <a:defRPr sz="866" kern="1200">
+        <a:defRPr sz="693" kern="1200">
           <a:solidFill>
             <a:schemeClr val="tx1"/>
           </a:solidFill>
@@ -2687,16 +2689,16 @@
       </a:lvl1pPr>
     </p:titleStyle>
     <p:bodyStyle>
-      <a:lvl1pPr marL="45011" indent="-45011" algn="l" defTabSz="180045" rtl="0" eaLnBrk="1" latinLnBrk="1" hangingPunct="1">
+      <a:lvl1pPr marL="35982" indent="-35982" algn="l" defTabSz="143927" rtl="0" eaLnBrk="1" latinLnBrk="1" hangingPunct="1">
         <a:lnSpc>
           <a:spcPct val="90000"/>
         </a:lnSpc>
         <a:spcBef>
-          <a:spcPts val="197"/>
+          <a:spcPts val="157"/>
         </a:spcBef>
         <a:buFont typeface="Arial" panose="020B0604020202020204" pitchFamily="34" charset="0"/>
         <a:buChar char="•"/>
-        <a:defRPr sz="551" kern="1200">
+        <a:defRPr sz="441" kern="1200">
           <a:solidFill>
             <a:schemeClr val="tx1"/>
           </a:solidFill>
@@ -2705,16 +2707,16 @@
           <a:cs typeface="+mn-cs"/>
         </a:defRPr>
       </a:lvl1pPr>
-      <a:lvl2pPr marL="135034" indent="-45011" algn="l" defTabSz="180045" rtl="0" eaLnBrk="1" latinLnBrk="1" hangingPunct="1">
+      <a:lvl2pPr marL="107945" indent="-35982" algn="l" defTabSz="143927" rtl="0" eaLnBrk="1" latinLnBrk="1" hangingPunct="1">
         <a:lnSpc>
           <a:spcPct val="90000"/>
         </a:lnSpc>
         <a:spcBef>
-          <a:spcPts val="98"/>
+          <a:spcPts val="79"/>
         </a:spcBef>
         <a:buFont typeface="Arial" panose="020B0604020202020204" pitchFamily="34" charset="0"/>
         <a:buChar char="•"/>
-        <a:defRPr sz="473" kern="1200">
+        <a:defRPr sz="378" kern="1200">
           <a:solidFill>
             <a:schemeClr val="tx1"/>
           </a:solidFill>
@@ -2723,16 +2725,16 @@
           <a:cs typeface="+mn-cs"/>
         </a:defRPr>
       </a:lvl2pPr>
-      <a:lvl3pPr marL="225057" indent="-45011" algn="l" defTabSz="180045" rtl="0" eaLnBrk="1" latinLnBrk="1" hangingPunct="1">
+      <a:lvl3pPr marL="179908" indent="-35982" algn="l" defTabSz="143927" rtl="0" eaLnBrk="1" latinLnBrk="1" hangingPunct="1">
         <a:lnSpc>
           <a:spcPct val="90000"/>
         </a:lnSpc>
         <a:spcBef>
-          <a:spcPts val="98"/>
+          <a:spcPts val="79"/>
         </a:spcBef>
         <a:buFont typeface="Arial" panose="020B0604020202020204" pitchFamily="34" charset="0"/>
         <a:buChar char="•"/>
-        <a:defRPr sz="394" kern="1200">
+        <a:defRPr sz="315" kern="1200">
           <a:solidFill>
             <a:schemeClr val="tx1"/>
           </a:solidFill>
@@ -2741,16 +2743,16 @@
           <a:cs typeface="+mn-cs"/>
         </a:defRPr>
       </a:lvl3pPr>
-      <a:lvl4pPr marL="315079" indent="-45011" algn="l" defTabSz="180045" rtl="0" eaLnBrk="1" latinLnBrk="1" hangingPunct="1">
+      <a:lvl4pPr marL="251871" indent="-35982" algn="l" defTabSz="143927" rtl="0" eaLnBrk="1" latinLnBrk="1" hangingPunct="1">
         <a:lnSpc>
           <a:spcPct val="90000"/>
         </a:lnSpc>
         <a:spcBef>
-          <a:spcPts val="98"/>
+          <a:spcPts val="79"/>
         </a:spcBef>
         <a:buFont typeface="Arial" panose="020B0604020202020204" pitchFamily="34" charset="0"/>
         <a:buChar char="•"/>
-        <a:defRPr sz="354" kern="1200">
+        <a:defRPr sz="283" kern="1200">
           <a:solidFill>
             <a:schemeClr val="tx1"/>
           </a:solidFill>
@@ -2759,16 +2761,16 @@
           <a:cs typeface="+mn-cs"/>
         </a:defRPr>
       </a:lvl4pPr>
-      <a:lvl5pPr marL="405102" indent="-45011" algn="l" defTabSz="180045" rtl="0" eaLnBrk="1" latinLnBrk="1" hangingPunct="1">
+      <a:lvl5pPr marL="323835" indent="-35982" algn="l" defTabSz="143927" rtl="0" eaLnBrk="1" latinLnBrk="1" hangingPunct="1">
         <a:lnSpc>
           <a:spcPct val="90000"/>
         </a:lnSpc>
         <a:spcBef>
-          <a:spcPts val="98"/>
+          <a:spcPts val="79"/>
         </a:spcBef>
         <a:buFont typeface="Arial" panose="020B0604020202020204" pitchFamily="34" charset="0"/>
         <a:buChar char="•"/>
-        <a:defRPr sz="354" kern="1200">
+        <a:defRPr sz="283" kern="1200">
           <a:solidFill>
             <a:schemeClr val="tx1"/>
           </a:solidFill>
@@ -2777,16 +2779,16 @@
           <a:cs typeface="+mn-cs"/>
         </a:defRPr>
       </a:lvl5pPr>
-      <a:lvl6pPr marL="495125" indent="-45011" algn="l" defTabSz="180045" rtl="0" eaLnBrk="1" latinLnBrk="1" hangingPunct="1">
+      <a:lvl6pPr marL="395798" indent="-35982" algn="l" defTabSz="143927" rtl="0" eaLnBrk="1" latinLnBrk="1" hangingPunct="1">
         <a:lnSpc>
           <a:spcPct val="90000"/>
         </a:lnSpc>
         <a:spcBef>
-          <a:spcPts val="98"/>
+          <a:spcPts val="79"/>
         </a:spcBef>
         <a:buFont typeface="Arial" panose="020B0604020202020204" pitchFamily="34" charset="0"/>
         <a:buChar char="•"/>
-        <a:defRPr sz="354" kern="1200">
+        <a:defRPr sz="283" kern="1200">
           <a:solidFill>
             <a:schemeClr val="tx1"/>
           </a:solidFill>
@@ -2795,16 +2797,16 @@
           <a:cs typeface="+mn-cs"/>
         </a:defRPr>
       </a:lvl6pPr>
-      <a:lvl7pPr marL="585147" indent="-45011" algn="l" defTabSz="180045" rtl="0" eaLnBrk="1" latinLnBrk="1" hangingPunct="1">
+      <a:lvl7pPr marL="467761" indent="-35982" algn="l" defTabSz="143927" rtl="0" eaLnBrk="1" latinLnBrk="1" hangingPunct="1">
         <a:lnSpc>
           <a:spcPct val="90000"/>
         </a:lnSpc>
         <a:spcBef>
-          <a:spcPts val="98"/>
+          <a:spcPts val="79"/>
         </a:spcBef>
         <a:buFont typeface="Arial" panose="020B0604020202020204" pitchFamily="34" charset="0"/>
         <a:buChar char="•"/>
-        <a:defRPr sz="354" kern="1200">
+        <a:defRPr sz="283" kern="1200">
           <a:solidFill>
             <a:schemeClr val="tx1"/>
           </a:solidFill>
@@ -2813,16 +2815,16 @@
           <a:cs typeface="+mn-cs"/>
         </a:defRPr>
       </a:lvl7pPr>
-      <a:lvl8pPr marL="675170" indent="-45011" algn="l" defTabSz="180045" rtl="0" eaLnBrk="1" latinLnBrk="1" hangingPunct="1">
+      <a:lvl8pPr marL="539725" indent="-35982" algn="l" defTabSz="143927" rtl="0" eaLnBrk="1" latinLnBrk="1" hangingPunct="1">
         <a:lnSpc>
           <a:spcPct val="90000"/>
         </a:lnSpc>
         <a:spcBef>
-          <a:spcPts val="98"/>
+          <a:spcPts val="79"/>
         </a:spcBef>
         <a:buFont typeface="Arial" panose="020B0604020202020204" pitchFamily="34" charset="0"/>
         <a:buChar char="•"/>
-        <a:defRPr sz="354" kern="1200">
+        <a:defRPr sz="283" kern="1200">
           <a:solidFill>
             <a:schemeClr val="tx1"/>
           </a:solidFill>
@@ -2831,16 +2833,16 @@
           <a:cs typeface="+mn-cs"/>
         </a:defRPr>
       </a:lvl8pPr>
-      <a:lvl9pPr marL="765193" indent="-45011" algn="l" defTabSz="180045" rtl="0" eaLnBrk="1" latinLnBrk="1" hangingPunct="1">
+      <a:lvl9pPr marL="611688" indent="-35982" algn="l" defTabSz="143927" rtl="0" eaLnBrk="1" latinLnBrk="1" hangingPunct="1">
         <a:lnSpc>
           <a:spcPct val="90000"/>
         </a:lnSpc>
         <a:spcBef>
-          <a:spcPts val="98"/>
+          <a:spcPts val="79"/>
         </a:spcBef>
         <a:buFont typeface="Arial" panose="020B0604020202020204" pitchFamily="34" charset="0"/>
         <a:buChar char="•"/>
-        <a:defRPr sz="354" kern="1200">
+        <a:defRPr sz="283" kern="1200">
           <a:solidFill>
             <a:schemeClr val="tx1"/>
           </a:solidFill>
@@ -2854,8 +2856,8 @@
       <a:defPPr>
         <a:defRPr lang="en-US"/>
       </a:defPPr>
-      <a:lvl1pPr marL="0" algn="l" defTabSz="180045" rtl="0" eaLnBrk="1" latinLnBrk="1" hangingPunct="1">
-        <a:defRPr sz="354" kern="1200">
+      <a:lvl1pPr marL="0" algn="l" defTabSz="143927" rtl="0" eaLnBrk="1" latinLnBrk="1" hangingPunct="1">
+        <a:defRPr sz="283" kern="1200">
           <a:solidFill>
             <a:schemeClr val="tx1"/>
           </a:solidFill>
@@ -2864,8 +2866,8 @@
           <a:cs typeface="+mn-cs"/>
         </a:defRPr>
       </a:lvl1pPr>
-      <a:lvl2pPr marL="90023" algn="l" defTabSz="180045" rtl="0" eaLnBrk="1" latinLnBrk="1" hangingPunct="1">
-        <a:defRPr sz="354" kern="1200">
+      <a:lvl2pPr marL="71963" algn="l" defTabSz="143927" rtl="0" eaLnBrk="1" latinLnBrk="1" hangingPunct="1">
+        <a:defRPr sz="283" kern="1200">
           <a:solidFill>
             <a:schemeClr val="tx1"/>
           </a:solidFill>
@@ -2874,8 +2876,8 @@
           <a:cs typeface="+mn-cs"/>
         </a:defRPr>
       </a:lvl2pPr>
-      <a:lvl3pPr marL="180045" algn="l" defTabSz="180045" rtl="0" eaLnBrk="1" latinLnBrk="1" hangingPunct="1">
-        <a:defRPr sz="354" kern="1200">
+      <a:lvl3pPr marL="143927" algn="l" defTabSz="143927" rtl="0" eaLnBrk="1" latinLnBrk="1" hangingPunct="1">
+        <a:defRPr sz="283" kern="1200">
           <a:solidFill>
             <a:schemeClr val="tx1"/>
           </a:solidFill>
@@ -2884,8 +2886,8 @@
           <a:cs typeface="+mn-cs"/>
         </a:defRPr>
       </a:lvl3pPr>
-      <a:lvl4pPr marL="270068" algn="l" defTabSz="180045" rtl="0" eaLnBrk="1" latinLnBrk="1" hangingPunct="1">
-        <a:defRPr sz="354" kern="1200">
+      <a:lvl4pPr marL="215890" algn="l" defTabSz="143927" rtl="0" eaLnBrk="1" latinLnBrk="1" hangingPunct="1">
+        <a:defRPr sz="283" kern="1200">
           <a:solidFill>
             <a:schemeClr val="tx1"/>
           </a:solidFill>
@@ -2894,8 +2896,8 @@
           <a:cs typeface="+mn-cs"/>
         </a:defRPr>
       </a:lvl4pPr>
-      <a:lvl5pPr marL="360091" algn="l" defTabSz="180045" rtl="0" eaLnBrk="1" latinLnBrk="1" hangingPunct="1">
-        <a:defRPr sz="354" kern="1200">
+      <a:lvl5pPr marL="287853" algn="l" defTabSz="143927" rtl="0" eaLnBrk="1" latinLnBrk="1" hangingPunct="1">
+        <a:defRPr sz="283" kern="1200">
           <a:solidFill>
             <a:schemeClr val="tx1"/>
           </a:solidFill>
@@ -2904,8 +2906,8 @@
           <a:cs typeface="+mn-cs"/>
         </a:defRPr>
       </a:lvl5pPr>
-      <a:lvl6pPr marL="450113" algn="l" defTabSz="180045" rtl="0" eaLnBrk="1" latinLnBrk="1" hangingPunct="1">
-        <a:defRPr sz="354" kern="1200">
+      <a:lvl6pPr marL="359816" algn="l" defTabSz="143927" rtl="0" eaLnBrk="1" latinLnBrk="1" hangingPunct="1">
+        <a:defRPr sz="283" kern="1200">
           <a:solidFill>
             <a:schemeClr val="tx1"/>
           </a:solidFill>
@@ -2914,8 +2916,8 @@
           <a:cs typeface="+mn-cs"/>
         </a:defRPr>
       </a:lvl6pPr>
-      <a:lvl7pPr marL="540136" algn="l" defTabSz="180045" rtl="0" eaLnBrk="1" latinLnBrk="1" hangingPunct="1">
-        <a:defRPr sz="354" kern="1200">
+      <a:lvl7pPr marL="431780" algn="l" defTabSz="143927" rtl="0" eaLnBrk="1" latinLnBrk="1" hangingPunct="1">
+        <a:defRPr sz="283" kern="1200">
           <a:solidFill>
             <a:schemeClr val="tx1"/>
           </a:solidFill>
@@ -2924,8 +2926,8 @@
           <a:cs typeface="+mn-cs"/>
         </a:defRPr>
       </a:lvl7pPr>
-      <a:lvl8pPr marL="630159" algn="l" defTabSz="180045" rtl="0" eaLnBrk="1" latinLnBrk="1" hangingPunct="1">
-        <a:defRPr sz="354" kern="1200">
+      <a:lvl8pPr marL="503743" algn="l" defTabSz="143927" rtl="0" eaLnBrk="1" latinLnBrk="1" hangingPunct="1">
+        <a:defRPr sz="283" kern="1200">
           <a:solidFill>
             <a:schemeClr val="tx1"/>
           </a:solidFill>
@@ -2934,8 +2936,8 @@
           <a:cs typeface="+mn-cs"/>
         </a:defRPr>
       </a:lvl8pPr>
-      <a:lvl9pPr marL="720181" algn="l" defTabSz="180045" rtl="0" eaLnBrk="1" latinLnBrk="1" hangingPunct="1">
-        <a:defRPr sz="354" kern="1200">
+      <a:lvl9pPr marL="575706" algn="l" defTabSz="143927" rtl="0" eaLnBrk="1" latinLnBrk="1" hangingPunct="1">
+        <a:defRPr sz="283" kern="1200">
           <a:solidFill>
             <a:schemeClr val="tx1"/>
           </a:solidFill>
@@ -2966,6 +2968,49 @@
           <a:chExt cx="0" cy="0"/>
         </a:xfrm>
       </p:grpSpPr>
+      <p:pic>
+        <p:nvPicPr>
+          <p:cNvPr id="18" name="그림 17" descr="야외, 하늘, 잔디, 농업이(가) 표시된 사진&#10;&#10;자동 생성된 설명">
+            <a:extLst>
+              <a:ext uri="{FF2B5EF4-FFF2-40B4-BE49-F238E27FC236}">
+                <a16:creationId xmlns:a16="http://schemas.microsoft.com/office/drawing/2014/main" id="{24E7E547-6B25-75CE-1362-C6C15319E3EC}"/>
+              </a:ext>
+            </a:extLst>
+          </p:cNvPr>
+          <p:cNvPicPr>
+            <a:picLocks noChangeAspect="1"/>
+          </p:cNvPicPr>
+          <p:nvPr/>
+        </p:nvPicPr>
+        <p:blipFill>
+          <a:blip r:embed="rId2">
+            <a:alphaModFix amt="37000"/>
+            <a:extLst>
+              <a:ext uri="{28A0092B-C50C-407E-A947-70E740481C1C}">
+                <a14:useLocalDpi xmlns:a14="http://schemas.microsoft.com/office/drawing/2010/main" val="0"/>
+              </a:ext>
+              <a:ext uri="{837473B0-CC2E-450A-ABE3-18F120FF3D39}">
+                <a1611:picAttrSrcUrl xmlns:a1611="http://schemas.microsoft.com/office/drawing/2016/11/main" r:id="rId3"/>
+              </a:ext>
+            </a:extLst>
+          </a:blip>
+          <a:stretch>
+            <a:fillRect/>
+          </a:stretch>
+        </p:blipFill>
+        <p:spPr>
+          <a:xfrm rot="5400000">
+            <a:off x="556669" y="-489556"/>
+            <a:ext cx="1079501" cy="2058613"/>
+          </a:xfrm>
+          <a:prstGeom prst="rect">
+            <a:avLst/>
+          </a:prstGeom>
+          <a:effectLst>
+            <a:softEdge rad="31750"/>
+          </a:effectLst>
+        </p:spPr>
+      </p:pic>
       <p:sp>
         <p:nvSpPr>
           <p:cNvPr id="4" name="TextBox 3">
@@ -2979,9 +3024,9 @@
           <p:nvPr/>
         </p:nvSpPr>
         <p:spPr>
-          <a:xfrm>
-            <a:off x="423247" y="274252"/>
-            <a:ext cx="953729" cy="1107996"/>
+          <a:xfrm rot="5400000">
+            <a:off x="3539402" y="174918"/>
+            <a:ext cx="597718" cy="683136"/>
           </a:xfrm>
           <a:prstGeom prst="rect">
             <a:avLst/>
@@ -2995,7 +3040,7 @@
           <a:lstStyle/>
           <a:p>
             <a:r>
-              <a:rPr lang="ko-KR" altLang="en-US" sz="6600" dirty="0">
+              <a:rPr lang="ko-KR" altLang="en-US" sz="3839" dirty="0">
                 <a:latin typeface="휴먼옛체" panose="02030504000101010101" pitchFamily="18" charset="-127"/>
                 <a:ea typeface="휴먼옛체" panose="02030504000101010101" pitchFamily="18" charset="-127"/>
               </a:rPr>
@@ -3006,10 +3051,10 @@
       </p:sp>
       <p:sp>
         <p:nvSpPr>
-          <p:cNvPr id="5" name="TextBox 4">
+          <p:cNvPr id="12" name="TextBox 11">
             <a:extLst>
               <a:ext uri="{FF2B5EF4-FFF2-40B4-BE49-F238E27FC236}">
-                <a16:creationId xmlns:a16="http://schemas.microsoft.com/office/drawing/2014/main" id="{F5E1485A-003A-3251-9620-BFFD42784BAB}"/>
+                <a16:creationId xmlns:a16="http://schemas.microsoft.com/office/drawing/2014/main" id="{4501FEC9-AB6F-88B8-ECC1-DDA86B090123}"/>
               </a:ext>
             </a:extLst>
           </p:cNvPr>
@@ -3017,9 +3062,9 @@
           <p:nvPr/>
         </p:nvSpPr>
         <p:spPr>
-          <a:xfrm>
-            <a:off x="423246" y="1382248"/>
-            <a:ext cx="953729" cy="1107996"/>
+          <a:xfrm rot="5400000">
+            <a:off x="2884138" y="156904"/>
+            <a:ext cx="561693" cy="683136"/>
           </a:xfrm>
           <a:prstGeom prst="rect">
             <a:avLst/>
@@ -3033,7 +3078,7 @@
           <a:lstStyle/>
           <a:p>
             <a:r>
-              <a:rPr lang="ko-KR" altLang="en-US" sz="6600" dirty="0">
+              <a:rPr lang="ko-KR" altLang="en-US" sz="3839" dirty="0">
                 <a:latin typeface="휴먼옛체" panose="02030504000101010101" pitchFamily="18" charset="-127"/>
                 <a:ea typeface="휴먼옛체" panose="02030504000101010101" pitchFamily="18" charset="-127"/>
               </a:rPr>
@@ -3044,10 +3089,10 @@
       </p:sp>
       <p:sp>
         <p:nvSpPr>
-          <p:cNvPr id="6" name="TextBox 5">
+          <p:cNvPr id="13" name="TextBox 12">
             <a:extLst>
               <a:ext uri="{FF2B5EF4-FFF2-40B4-BE49-F238E27FC236}">
-                <a16:creationId xmlns:a16="http://schemas.microsoft.com/office/drawing/2014/main" id="{0EC623F3-9C9D-859E-82EB-16854453CDA1}"/>
+                <a16:creationId xmlns:a16="http://schemas.microsoft.com/office/drawing/2014/main" id="{84A9565A-85A3-DCA9-3CC9-3A000D0AD3AA}"/>
               </a:ext>
             </a:extLst>
           </p:cNvPr>
@@ -3055,9 +3100,9 @@
           <p:nvPr/>
         </p:nvSpPr>
         <p:spPr>
-          <a:xfrm>
-            <a:off x="423247" y="2490244"/>
-            <a:ext cx="953729" cy="1107996"/>
+          <a:xfrm rot="5400000">
+            <a:off x="2210861" y="156903"/>
+            <a:ext cx="561693" cy="683136"/>
           </a:xfrm>
           <a:prstGeom prst="rect">
             <a:avLst/>
@@ -3071,7 +3116,7 @@
           <a:lstStyle/>
           <a:p>
             <a:r>
-              <a:rPr lang="ko-KR" altLang="en-US" sz="6600" dirty="0">
+              <a:rPr lang="ko-KR" altLang="en-US" sz="3839" dirty="0">
                 <a:latin typeface="휴먼옛체" panose="02030504000101010101" pitchFamily="18" charset="-127"/>
                 <a:ea typeface="휴먼옛체" panose="02030504000101010101" pitchFamily="18" charset="-127"/>
               </a:rPr>
@@ -3082,10 +3127,10 @@
       </p:sp>
       <p:sp>
         <p:nvSpPr>
-          <p:cNvPr id="7" name="TextBox 6">
+          <p:cNvPr id="14" name="TextBox 13">
             <a:extLst>
               <a:ext uri="{FF2B5EF4-FFF2-40B4-BE49-F238E27FC236}">
-                <a16:creationId xmlns:a16="http://schemas.microsoft.com/office/drawing/2014/main" id="{873D9962-7620-5CF0-EED9-C540CEE75334}"/>
+                <a16:creationId xmlns:a16="http://schemas.microsoft.com/office/drawing/2014/main" id="{A3795E55-5BDA-D92F-828D-C5ED0A8EE7D7}"/>
               </a:ext>
             </a:extLst>
           </p:cNvPr>
@@ -3093,9 +3138,9 @@
           <p:nvPr/>
         </p:nvSpPr>
         <p:spPr>
-          <a:xfrm>
-            <a:off x="423247" y="3598240"/>
-            <a:ext cx="953729" cy="1107996"/>
+          <a:xfrm rot="5400000">
+            <a:off x="1537584" y="156905"/>
+            <a:ext cx="561693" cy="683136"/>
           </a:xfrm>
           <a:prstGeom prst="rect">
             <a:avLst/>
@@ -3109,7 +3154,7 @@
           <a:lstStyle/>
           <a:p>
             <a:r>
-              <a:rPr lang="ko-KR" altLang="en-US" sz="6600" dirty="0">
+              <a:rPr lang="ko-KR" altLang="en-US" sz="3839" dirty="0">
                 <a:latin typeface="휴먼옛체" panose="02030504000101010101" pitchFamily="18" charset="-127"/>
                 <a:ea typeface="휴먼옛체" panose="02030504000101010101" pitchFamily="18" charset="-127"/>
               </a:rPr>
@@ -3120,10 +3165,10 @@
       </p:sp>
       <p:sp>
         <p:nvSpPr>
-          <p:cNvPr id="8" name="TextBox 7">
+          <p:cNvPr id="15" name="TextBox 14">
             <a:extLst>
               <a:ext uri="{FF2B5EF4-FFF2-40B4-BE49-F238E27FC236}">
-                <a16:creationId xmlns:a16="http://schemas.microsoft.com/office/drawing/2014/main" id="{5D1863B5-545A-EC24-92B4-3C2A42A03203}"/>
+                <a16:creationId xmlns:a16="http://schemas.microsoft.com/office/drawing/2014/main" id="{1DAC84D2-CFD2-6384-5E06-A33AF44CF906}"/>
               </a:ext>
             </a:extLst>
           </p:cNvPr>
@@ -3131,9 +3176,9 @@
           <p:nvPr/>
         </p:nvSpPr>
         <p:spPr>
-          <a:xfrm>
-            <a:off x="423247" y="4706236"/>
-            <a:ext cx="953729" cy="1107996"/>
+          <a:xfrm rot="5400000">
+            <a:off x="801113" y="156903"/>
+            <a:ext cx="561693" cy="683136"/>
           </a:xfrm>
           <a:prstGeom prst="rect">
             <a:avLst/>
@@ -3147,7 +3192,7 @@
           <a:lstStyle/>
           <a:p>
             <a:r>
-              <a:rPr lang="ko-KR" altLang="en-US" sz="6600" dirty="0">
+              <a:rPr lang="ko-KR" altLang="en-US" sz="3839" dirty="0">
                 <a:latin typeface="휴먼옛체" panose="02030504000101010101" pitchFamily="18" charset="-127"/>
                 <a:ea typeface="휴먼옛체" panose="02030504000101010101" pitchFamily="18" charset="-127"/>
               </a:rPr>
@@ -3158,10 +3203,10 @@
       </p:sp>
       <p:sp>
         <p:nvSpPr>
-          <p:cNvPr id="9" name="TextBox 8">
+          <p:cNvPr id="16" name="TextBox 15">
             <a:extLst>
               <a:ext uri="{FF2B5EF4-FFF2-40B4-BE49-F238E27FC236}">
-                <a16:creationId xmlns:a16="http://schemas.microsoft.com/office/drawing/2014/main" id="{34645F67-6297-7B9F-5EA7-B3742224C98D}"/>
+                <a16:creationId xmlns:a16="http://schemas.microsoft.com/office/drawing/2014/main" id="{2670B167-41C9-AACA-8C74-4E315E627EED}"/>
               </a:ext>
             </a:extLst>
           </p:cNvPr>
@@ -3169,9 +3214,9 @@
           <p:nvPr/>
         </p:nvSpPr>
         <p:spPr>
-          <a:xfrm>
-            <a:off x="423247" y="5814232"/>
-            <a:ext cx="953729" cy="1107996"/>
+          <a:xfrm rot="5400000">
+            <a:off x="127836" y="156904"/>
+            <a:ext cx="561692" cy="683136"/>
           </a:xfrm>
           <a:prstGeom prst="rect">
             <a:avLst/>
@@ -3185,7 +3230,7 @@
           <a:lstStyle/>
           <a:p>
             <a:r>
-              <a:rPr lang="ko-KR" altLang="en-US" sz="6600" dirty="0">
+              <a:rPr lang="ko-KR" altLang="en-US" sz="3839" dirty="0">
                 <a:latin typeface="휴먼옛체" panose="02030504000101010101" pitchFamily="18" charset="-127"/>
                 <a:ea typeface="휴먼옛체" panose="02030504000101010101" pitchFamily="18" charset="-127"/>
               </a:rPr>
